--- a/Documentacion/Sesion 1_Selenium_WebDriver.pptx
+++ b/Documentacion/Sesion 1_Selenium_WebDriver.pptx
@@ -23,7 +23,8 @@
     <p:sldId id="266" r:id="rId17"/>
     <p:sldId id="265" r:id="rId18"/>
     <p:sldId id="272" r:id="rId19"/>
-    <p:sldId id="275" r:id="rId20"/>
+    <p:sldId id="276" r:id="rId20"/>
+    <p:sldId id="275" r:id="rId21"/>
   </p:sldIdLst>
   <p:sldSz cx="12192000" cy="6858000"/>
   <p:notesSz cx="6858000" cy="9144000"/>
@@ -1371,6 +1372,13 @@
         </dgm:presLayoutVars>
       </dgm:prSet>
       <dgm:spPr/>
+      <dgm:t>
+        <a:bodyPr/>
+        <a:lstStyle/>
+        <a:p>
+          <a:endParaRPr lang="en-US"/>
+        </a:p>
+      </dgm:t>
     </dgm:pt>
     <dgm:pt modelId="{7D3051CD-42B1-4EA3-8BB5-C716E611D7CD}" type="pres">
       <dgm:prSet presAssocID="{DB65997E-847C-4D4F-8E82-7D45A0D785CB}" presName="Name1" presStyleCnt="0"/>
@@ -1387,6 +1395,13 @@
     <dgm:pt modelId="{483D7F15-23BB-4DD6-8495-8A27E54FB99C}" type="pres">
       <dgm:prSet presAssocID="{DB65997E-847C-4D4F-8E82-7D45A0D785CB}" presName="conn" presStyleLbl="parChTrans1D2" presStyleIdx="0" presStyleCnt="1"/>
       <dgm:spPr/>
+      <dgm:t>
+        <a:bodyPr/>
+        <a:lstStyle/>
+        <a:p>
+          <a:endParaRPr lang="en-US"/>
+        </a:p>
+      </dgm:t>
     </dgm:pt>
     <dgm:pt modelId="{BEEB1081-BF89-4BCF-AFFD-84D6C3247E2B}" type="pres">
       <dgm:prSet presAssocID="{DB65997E-847C-4D4F-8E82-7D45A0D785CB}" presName="extraNode" presStyleLbl="node1" presStyleIdx="0" presStyleCnt="5"/>
@@ -1403,6 +1418,13 @@
         </dgm:presLayoutVars>
       </dgm:prSet>
       <dgm:spPr/>
+      <dgm:t>
+        <a:bodyPr/>
+        <a:lstStyle/>
+        <a:p>
+          <a:endParaRPr lang="en-US"/>
+        </a:p>
+      </dgm:t>
     </dgm:pt>
     <dgm:pt modelId="{6069A57F-9411-4FFA-893B-550511941201}" type="pres">
       <dgm:prSet presAssocID="{DE439F97-1B07-4068-9FDB-C336BBC3A291}" presName="accent_1" presStyleCnt="0"/>
@@ -1419,6 +1441,13 @@
         </dgm:presLayoutVars>
       </dgm:prSet>
       <dgm:spPr/>
+      <dgm:t>
+        <a:bodyPr/>
+        <a:lstStyle/>
+        <a:p>
+          <a:endParaRPr lang="en-US"/>
+        </a:p>
+      </dgm:t>
     </dgm:pt>
     <dgm:pt modelId="{A9BB018A-FC4F-4287-8F9C-38EE40BC4156}" type="pres">
       <dgm:prSet presAssocID="{B0496649-DD0A-4B70-95C5-782BAE43FF42}" presName="accent_2" presStyleCnt="0"/>
@@ -1435,6 +1464,13 @@
         </dgm:presLayoutVars>
       </dgm:prSet>
       <dgm:spPr/>
+      <dgm:t>
+        <a:bodyPr/>
+        <a:lstStyle/>
+        <a:p>
+          <a:endParaRPr lang="en-US"/>
+        </a:p>
+      </dgm:t>
     </dgm:pt>
     <dgm:pt modelId="{65CE2800-6111-485B-9E3E-290B4A011B98}" type="pres">
       <dgm:prSet presAssocID="{882E51A1-654B-48CC-84E2-5057226FA9BE}" presName="accent_3" presStyleCnt="0"/>
@@ -1451,6 +1487,13 @@
         </dgm:presLayoutVars>
       </dgm:prSet>
       <dgm:spPr/>
+      <dgm:t>
+        <a:bodyPr/>
+        <a:lstStyle/>
+        <a:p>
+          <a:endParaRPr lang="en-US"/>
+        </a:p>
+      </dgm:t>
     </dgm:pt>
     <dgm:pt modelId="{A774D682-DF20-40F1-9749-C0B74654A3DA}" type="pres">
       <dgm:prSet presAssocID="{10E8FCE2-5134-4172-9815-65B113CB5E34}" presName="accent_4" presStyleCnt="0"/>
@@ -1467,6 +1510,13 @@
         </dgm:presLayoutVars>
       </dgm:prSet>
       <dgm:spPr/>
+      <dgm:t>
+        <a:bodyPr/>
+        <a:lstStyle/>
+        <a:p>
+          <a:endParaRPr lang="en-US"/>
+        </a:p>
+      </dgm:t>
     </dgm:pt>
     <dgm:pt modelId="{E2606F05-7EC0-4571-B751-C0C5005A013B}" type="pres">
       <dgm:prSet presAssocID="{AED82A7E-376E-4F21-9A74-6635C4726F31}" presName="accent_5" presStyleCnt="0"/>
@@ -1478,30 +1528,30 @@
     </dgm:pt>
   </dgm:ptLst>
   <dgm:cxnLst>
+    <dgm:cxn modelId="{B216788E-15AA-48E8-8615-DEEFFFC40186}" type="presOf" srcId="{AED82A7E-376E-4F21-9A74-6635C4726F31}" destId="{640CA01C-3AAF-4E7D-8CEE-6BBA258D3535}" srcOrd="0" destOrd="0" presId="urn:microsoft.com/office/officeart/2008/layout/VerticalCurvedList"/>
+    <dgm:cxn modelId="{C54B766A-D097-4F53-AF47-F883371AE5BB}" srcId="{DB65997E-847C-4D4F-8E82-7D45A0D785CB}" destId="{882E51A1-654B-48CC-84E2-5057226FA9BE}" srcOrd="2" destOrd="0" parTransId="{C9BC1360-17FF-48C4-AC68-B2C1625F128D}" sibTransId="{D7E3AF2F-68B8-44C9-B8B4-72036481FBAD}"/>
+    <dgm:cxn modelId="{6BBC14BB-EDC8-404A-A51A-1054B40725B6}" type="presOf" srcId="{024CF18F-CB0A-4443-A131-0964554E5915}" destId="{EE030B67-27AB-46A9-9775-5318696268F5}" srcOrd="0" destOrd="2" presId="urn:microsoft.com/office/officeart/2008/layout/VerticalCurvedList"/>
     <dgm:cxn modelId="{AEB69A03-7C49-4FDA-BEEC-2BE518DD2820}" srcId="{10E8FCE2-5134-4172-9815-65B113CB5E34}" destId="{F83E14D0-1EDC-4756-A0EB-E47F2C54D608}" srcOrd="1" destOrd="0" parTransId="{28882E20-4535-41A7-BCCE-938F413BDAE3}" sibTransId="{A0B77C3B-6671-44AE-A621-625A887AC23D}"/>
+    <dgm:cxn modelId="{2E30D68B-9D80-43F5-A6E1-609281332ED1}" type="presOf" srcId="{FAE8E6B9-5029-46D2-BFB5-FAEA3F8362E5}" destId="{4EEB5AD5-4B27-4BAD-94EA-E740007C35A3}" srcOrd="0" destOrd="1" presId="urn:microsoft.com/office/officeart/2008/layout/VerticalCurvedList"/>
+    <dgm:cxn modelId="{A7F85082-DF8A-48E1-A1F0-B9C4635EDE12}" type="presOf" srcId="{10E8FCE2-5134-4172-9815-65B113CB5E34}" destId="{DAB01C8D-CA51-4EB1-96F5-8FB933A62A99}" srcOrd="0" destOrd="0" presId="urn:microsoft.com/office/officeart/2008/layout/VerticalCurvedList"/>
+    <dgm:cxn modelId="{D360C0B0-5B79-48F4-AC7A-7BEE62F37F37}" type="presOf" srcId="{578BAD9D-AE10-463B-B414-53E62823E7DC}" destId="{4EEB5AD5-4B27-4BAD-94EA-E740007C35A3}" srcOrd="0" destOrd="2" presId="urn:microsoft.com/office/officeart/2008/layout/VerticalCurvedList"/>
+    <dgm:cxn modelId="{B693055E-E8D1-4FA4-99D5-B9A2A35AC11E}" srcId="{DB65997E-847C-4D4F-8E82-7D45A0D785CB}" destId="{B0496649-DD0A-4B70-95C5-782BAE43FF42}" srcOrd="1" destOrd="0" parTransId="{2E0C85CF-4F1C-43A8-A39B-90C6A19E8080}" sibTransId="{D8B0C653-56ED-43EC-91D8-A459CCBEC387}"/>
+    <dgm:cxn modelId="{4F747737-B865-42DF-A2E0-35218104C942}" srcId="{B0496649-DD0A-4B70-95C5-782BAE43FF42}" destId="{FAE8E6B9-5029-46D2-BFB5-FAEA3F8362E5}" srcOrd="0" destOrd="0" parTransId="{6B211C89-212D-4079-9D21-3E2B2387577D}" sibTransId="{7F91C154-A6F1-4217-927E-C33F2ADD17F0}"/>
+    <dgm:cxn modelId="{719FE262-C3BF-4CE6-A65D-37E67F22A187}" type="presOf" srcId="{F83E14D0-1EDC-4756-A0EB-E47F2C54D608}" destId="{DAB01C8D-CA51-4EB1-96F5-8FB933A62A99}" srcOrd="0" destOrd="2" presId="urn:microsoft.com/office/officeart/2008/layout/VerticalCurvedList"/>
+    <dgm:cxn modelId="{AC729C23-62A5-4AE5-941B-4DE1F9468610}" type="presOf" srcId="{B49E7E80-6420-418C-8610-43C48EC53B17}" destId="{483D7F15-23BB-4DD6-8495-8A27E54FB99C}" srcOrd="0" destOrd="0" presId="urn:microsoft.com/office/officeart/2008/layout/VerticalCurvedList"/>
     <dgm:cxn modelId="{B914DF16-C12D-4B64-9074-592BA17C8C1B}" srcId="{10E8FCE2-5134-4172-9815-65B113CB5E34}" destId="{9219FA81-103B-496B-891B-B5847B195596}" srcOrd="0" destOrd="0" parTransId="{2713844D-C9DD-43F7-8A12-8F274B167AF0}" sibTransId="{9B865881-7227-4597-9060-046C98A257AF}"/>
-    <dgm:cxn modelId="{AC729C23-62A5-4AE5-941B-4DE1F9468610}" type="presOf" srcId="{B49E7E80-6420-418C-8610-43C48EC53B17}" destId="{483D7F15-23BB-4DD6-8495-8A27E54FB99C}" srcOrd="0" destOrd="0" presId="urn:microsoft.com/office/officeart/2008/layout/VerticalCurvedList"/>
+    <dgm:cxn modelId="{D51457C7-1795-45AF-8533-5E30BE5918D1}" srcId="{DB65997E-847C-4D4F-8E82-7D45A0D785CB}" destId="{AED82A7E-376E-4F21-9A74-6635C4726F31}" srcOrd="4" destOrd="0" parTransId="{DD9B6440-9B7D-4048-A071-1B6FBC5B7072}" sibTransId="{D85C8C8D-4BC0-4086-8374-B6E8D6BEDE56}"/>
+    <dgm:cxn modelId="{7C9F0750-91C9-421E-9F90-6C8CB050380F}" type="presOf" srcId="{6DB16C94-E37F-484A-80DD-7989B76A427A}" destId="{EE030B67-27AB-46A9-9775-5318696268F5}" srcOrd="0" destOrd="1" presId="urn:microsoft.com/office/officeart/2008/layout/VerticalCurvedList"/>
+    <dgm:cxn modelId="{EA6E2AE3-673F-4877-988C-7ABD8CB90FBF}" type="presOf" srcId="{DB65997E-847C-4D4F-8E82-7D45A0D785CB}" destId="{543CC712-BCA4-48A3-BF44-ED7D98A1DF75}" srcOrd="0" destOrd="0" presId="urn:microsoft.com/office/officeart/2008/layout/VerticalCurvedList"/>
+    <dgm:cxn modelId="{C7774E75-D3F3-4C6D-838C-856A9A74FFFD}" srcId="{DB65997E-847C-4D4F-8E82-7D45A0D785CB}" destId="{DE439F97-1B07-4068-9FDB-C336BBC3A291}" srcOrd="0" destOrd="0" parTransId="{9385FF33-5B8C-460B-8275-48E9271C8E51}" sibTransId="{6F955283-17DE-41A8-B43A-8A61D86EF09D}"/>
     <dgm:cxn modelId="{33A45D28-BBA1-4CEB-89A7-DE055B8D2F94}" srcId="{DE439F97-1B07-4068-9FDB-C336BBC3A291}" destId="{024CF18F-CB0A-4443-A131-0964554E5915}" srcOrd="1" destOrd="0" parTransId="{306A3D60-7EAF-4251-8B28-562F6F352AA2}" sibTransId="{3980B524-1720-434A-B4E1-CACD930AD8FA}"/>
+    <dgm:cxn modelId="{E4081BC3-94F6-48E4-A517-0B44084BB9B2}" type="presOf" srcId="{882E51A1-654B-48CC-84E2-5057226FA9BE}" destId="{267ADB2A-C4CE-40B3-B492-0784EC574789}" srcOrd="0" destOrd="0" presId="urn:microsoft.com/office/officeart/2008/layout/VerticalCurvedList"/>
     <dgm:cxn modelId="{71BE6E37-A758-495F-9CA4-B3E089321602}" srcId="{B0496649-DD0A-4B70-95C5-782BAE43FF42}" destId="{578BAD9D-AE10-463B-B414-53E62823E7DC}" srcOrd="1" destOrd="0" parTransId="{D127FE44-627B-40FB-8FE4-11B2D808789A}" sibTransId="{6DA8C872-F5BD-4D7C-8E89-CE0A77D98D71}"/>
-    <dgm:cxn modelId="{4F747737-B865-42DF-A2E0-35218104C942}" srcId="{B0496649-DD0A-4B70-95C5-782BAE43FF42}" destId="{FAE8E6B9-5029-46D2-BFB5-FAEA3F8362E5}" srcOrd="0" destOrd="0" parTransId="{6B211C89-212D-4079-9D21-3E2B2387577D}" sibTransId="{7F91C154-A6F1-4217-927E-C33F2ADD17F0}"/>
-    <dgm:cxn modelId="{B693055E-E8D1-4FA4-99D5-B9A2A35AC11E}" srcId="{DB65997E-847C-4D4F-8E82-7D45A0D785CB}" destId="{B0496649-DD0A-4B70-95C5-782BAE43FF42}" srcOrd="1" destOrd="0" parTransId="{2E0C85CF-4F1C-43A8-A39B-90C6A19E8080}" sibTransId="{D8B0C653-56ED-43EC-91D8-A459CCBEC387}"/>
+    <dgm:cxn modelId="{DB9FBDBD-CA2B-4C77-80BA-A73BC96C8FF5}" type="presOf" srcId="{B0496649-DD0A-4B70-95C5-782BAE43FF42}" destId="{4EEB5AD5-4B27-4BAD-94EA-E740007C35A3}" srcOrd="0" destOrd="0" presId="urn:microsoft.com/office/officeart/2008/layout/VerticalCurvedList"/>
+    <dgm:cxn modelId="{77BD41E7-D6D3-4D08-88A4-1FDCC992C80C}" srcId="{DE439F97-1B07-4068-9FDB-C336BBC3A291}" destId="{6DB16C94-E37F-484A-80DD-7989B76A427A}" srcOrd="0" destOrd="0" parTransId="{66A720D4-1F43-41CB-A677-CBE785F6B83F}" sibTransId="{B49E7E80-6420-418C-8610-43C48EC53B17}"/>
+    <dgm:cxn modelId="{6C2137CE-3BA9-44FF-882B-769688FA5138}" srcId="{DB65997E-847C-4D4F-8E82-7D45A0D785CB}" destId="{10E8FCE2-5134-4172-9815-65B113CB5E34}" srcOrd="3" destOrd="0" parTransId="{AF0C11C0-6215-42A5-9D9B-E46AE3BBB33E}" sibTransId="{89D90DEB-4AB3-4F63-BC20-9F5078C42FB8}"/>
     <dgm:cxn modelId="{8C73AD42-B469-46C2-857B-3AF6E14B4D23}" type="presOf" srcId="{9219FA81-103B-496B-891B-B5847B195596}" destId="{DAB01C8D-CA51-4EB1-96F5-8FB933A62A99}" srcOrd="0" destOrd="1" presId="urn:microsoft.com/office/officeart/2008/layout/VerticalCurvedList"/>
-    <dgm:cxn modelId="{719FE262-C3BF-4CE6-A65D-37E67F22A187}" type="presOf" srcId="{F83E14D0-1EDC-4756-A0EB-E47F2C54D608}" destId="{DAB01C8D-CA51-4EB1-96F5-8FB933A62A99}" srcOrd="0" destOrd="2" presId="urn:microsoft.com/office/officeart/2008/layout/VerticalCurvedList"/>
-    <dgm:cxn modelId="{C54B766A-D097-4F53-AF47-F883371AE5BB}" srcId="{DB65997E-847C-4D4F-8E82-7D45A0D785CB}" destId="{882E51A1-654B-48CC-84E2-5057226FA9BE}" srcOrd="2" destOrd="0" parTransId="{C9BC1360-17FF-48C4-AC68-B2C1625F128D}" sibTransId="{D7E3AF2F-68B8-44C9-B8B4-72036481FBAD}"/>
-    <dgm:cxn modelId="{7C9F0750-91C9-421E-9F90-6C8CB050380F}" type="presOf" srcId="{6DB16C94-E37F-484A-80DD-7989B76A427A}" destId="{EE030B67-27AB-46A9-9775-5318696268F5}" srcOrd="0" destOrd="1" presId="urn:microsoft.com/office/officeart/2008/layout/VerticalCurvedList"/>
-    <dgm:cxn modelId="{C7774E75-D3F3-4C6D-838C-856A9A74FFFD}" srcId="{DB65997E-847C-4D4F-8E82-7D45A0D785CB}" destId="{DE439F97-1B07-4068-9FDB-C336BBC3A291}" srcOrd="0" destOrd="0" parTransId="{9385FF33-5B8C-460B-8275-48E9271C8E51}" sibTransId="{6F955283-17DE-41A8-B43A-8A61D86EF09D}"/>
     <dgm:cxn modelId="{47600659-D208-48F0-908F-E6ED3F314B75}" type="presOf" srcId="{DE439F97-1B07-4068-9FDB-C336BBC3A291}" destId="{EE030B67-27AB-46A9-9775-5318696268F5}" srcOrd="0" destOrd="0" presId="urn:microsoft.com/office/officeart/2008/layout/VerticalCurvedList"/>
-    <dgm:cxn modelId="{A7F85082-DF8A-48E1-A1F0-B9C4635EDE12}" type="presOf" srcId="{10E8FCE2-5134-4172-9815-65B113CB5E34}" destId="{DAB01C8D-CA51-4EB1-96F5-8FB933A62A99}" srcOrd="0" destOrd="0" presId="urn:microsoft.com/office/officeart/2008/layout/VerticalCurvedList"/>
-    <dgm:cxn modelId="{2E30D68B-9D80-43F5-A6E1-609281332ED1}" type="presOf" srcId="{FAE8E6B9-5029-46D2-BFB5-FAEA3F8362E5}" destId="{4EEB5AD5-4B27-4BAD-94EA-E740007C35A3}" srcOrd="0" destOrd="1" presId="urn:microsoft.com/office/officeart/2008/layout/VerticalCurvedList"/>
-    <dgm:cxn modelId="{B216788E-15AA-48E8-8615-DEEFFFC40186}" type="presOf" srcId="{AED82A7E-376E-4F21-9A74-6635C4726F31}" destId="{640CA01C-3AAF-4E7D-8CEE-6BBA258D3535}" srcOrd="0" destOrd="0" presId="urn:microsoft.com/office/officeart/2008/layout/VerticalCurvedList"/>
-    <dgm:cxn modelId="{D360C0B0-5B79-48F4-AC7A-7BEE62F37F37}" type="presOf" srcId="{578BAD9D-AE10-463B-B414-53E62823E7DC}" destId="{4EEB5AD5-4B27-4BAD-94EA-E740007C35A3}" srcOrd="0" destOrd="2" presId="urn:microsoft.com/office/officeart/2008/layout/VerticalCurvedList"/>
-    <dgm:cxn modelId="{6BBC14BB-EDC8-404A-A51A-1054B40725B6}" type="presOf" srcId="{024CF18F-CB0A-4443-A131-0964554E5915}" destId="{EE030B67-27AB-46A9-9775-5318696268F5}" srcOrd="0" destOrd="2" presId="urn:microsoft.com/office/officeart/2008/layout/VerticalCurvedList"/>
-    <dgm:cxn modelId="{DB9FBDBD-CA2B-4C77-80BA-A73BC96C8FF5}" type="presOf" srcId="{B0496649-DD0A-4B70-95C5-782BAE43FF42}" destId="{4EEB5AD5-4B27-4BAD-94EA-E740007C35A3}" srcOrd="0" destOrd="0" presId="urn:microsoft.com/office/officeart/2008/layout/VerticalCurvedList"/>
-    <dgm:cxn modelId="{E4081BC3-94F6-48E4-A517-0B44084BB9B2}" type="presOf" srcId="{882E51A1-654B-48CC-84E2-5057226FA9BE}" destId="{267ADB2A-C4CE-40B3-B492-0784EC574789}" srcOrd="0" destOrd="0" presId="urn:microsoft.com/office/officeart/2008/layout/VerticalCurvedList"/>
-    <dgm:cxn modelId="{D51457C7-1795-45AF-8533-5E30BE5918D1}" srcId="{DB65997E-847C-4D4F-8E82-7D45A0D785CB}" destId="{AED82A7E-376E-4F21-9A74-6635C4726F31}" srcOrd="4" destOrd="0" parTransId="{DD9B6440-9B7D-4048-A071-1B6FBC5B7072}" sibTransId="{D85C8C8D-4BC0-4086-8374-B6E8D6BEDE56}"/>
-    <dgm:cxn modelId="{6C2137CE-3BA9-44FF-882B-769688FA5138}" srcId="{DB65997E-847C-4D4F-8E82-7D45A0D785CB}" destId="{10E8FCE2-5134-4172-9815-65B113CB5E34}" srcOrd="3" destOrd="0" parTransId="{AF0C11C0-6215-42A5-9D9B-E46AE3BBB33E}" sibTransId="{89D90DEB-4AB3-4F63-BC20-9F5078C42FB8}"/>
-    <dgm:cxn modelId="{EA6E2AE3-673F-4877-988C-7ABD8CB90FBF}" type="presOf" srcId="{DB65997E-847C-4D4F-8E82-7D45A0D785CB}" destId="{543CC712-BCA4-48A3-BF44-ED7D98A1DF75}" srcOrd="0" destOrd="0" presId="urn:microsoft.com/office/officeart/2008/layout/VerticalCurvedList"/>
-    <dgm:cxn modelId="{77BD41E7-D6D3-4D08-88A4-1FDCC992C80C}" srcId="{DE439F97-1B07-4068-9FDB-C336BBC3A291}" destId="{6DB16C94-E37F-484A-80DD-7989B76A427A}" srcOrd="0" destOrd="0" parTransId="{66A720D4-1F43-41CB-A677-CBE785F6B83F}" sibTransId="{B49E7E80-6420-418C-8610-43C48EC53B17}"/>
     <dgm:cxn modelId="{BF9C3AE8-199B-46BB-95DA-8EFD80214F3C}" type="presParOf" srcId="{543CC712-BCA4-48A3-BF44-ED7D98A1DF75}" destId="{7D3051CD-42B1-4EA3-8BB5-C716E611D7CD}" srcOrd="0" destOrd="0" presId="urn:microsoft.com/office/officeart/2008/layout/VerticalCurvedList"/>
     <dgm:cxn modelId="{7D9064DE-0D93-476C-8369-2F6613EAB363}" type="presParOf" srcId="{7D3051CD-42B1-4EA3-8BB5-C716E611D7CD}" destId="{02D37C8A-A56C-4B2B-8B4E-D53C7949832B}" srcOrd="0" destOrd="0" presId="urn:microsoft.com/office/officeart/2008/layout/VerticalCurvedList"/>
     <dgm:cxn modelId="{48A18E58-29E1-4A84-A6DF-E3C5390119FD}" type="presParOf" srcId="{02D37C8A-A56C-4B2B-8B4E-D53C7949832B}" destId="{02270D84-A9E8-4524-A971-DB2B2AC9C543}" srcOrd="0" destOrd="0" presId="urn:microsoft.com/office/officeart/2008/layout/VerticalCurvedList"/>
@@ -1642,7 +1692,7 @@
         </a:bodyPr>
         <a:lstStyle/>
         <a:p>
-          <a:pPr marL="0" lvl="0" indent="0" algn="l" defTabSz="1066800">
+          <a:pPr lvl="0" algn="l" defTabSz="1066800">
             <a:lnSpc>
               <a:spcPct val="90000"/>
             </a:lnSpc>
@@ -1652,7 +1702,6 @@
             <a:spcAft>
               <a:spcPct val="35000"/>
             </a:spcAft>
-            <a:buNone/>
           </a:pPr>
           <a:r>
             <a:rPr lang="en-US" sz="2400" kern="1200" dirty="0"/>
@@ -1686,7 +1735,7 @@
             <a:spcAft>
               <a:spcPct val="15000"/>
             </a:spcAft>
-            <a:buChar char="•"/>
+            <a:buChar char="••"/>
           </a:pPr>
           <a:endParaRPr lang="en-US" sz="900" kern="1200" dirty="0"/>
         </a:p>
@@ -1701,7 +1750,7 @@
             <a:spcAft>
               <a:spcPct val="15000"/>
             </a:spcAft>
-            <a:buChar char="•"/>
+            <a:buChar char="••"/>
           </a:pPr>
           <a:endParaRPr lang="en-US" sz="900" kern="1200"/>
         </a:p>
@@ -1814,7 +1863,7 @@
         </a:bodyPr>
         <a:lstStyle/>
         <a:p>
-          <a:pPr marL="0" lvl="0" indent="0" algn="l" defTabSz="1066800">
+          <a:pPr lvl="0" algn="l" defTabSz="1066800">
             <a:lnSpc>
               <a:spcPct val="90000"/>
             </a:lnSpc>
@@ -1824,7 +1873,6 @@
             <a:spcAft>
               <a:spcPct val="35000"/>
             </a:spcAft>
-            <a:buNone/>
           </a:pPr>
           <a:r>
             <a:rPr lang="en-US" sz="2400" kern="1200" dirty="0"/>
@@ -1847,7 +1895,7 @@
             <a:spcAft>
               <a:spcPct val="15000"/>
             </a:spcAft>
-            <a:buChar char="•"/>
+            <a:buChar char="••"/>
           </a:pPr>
           <a:endParaRPr lang="en-US" sz="900" kern="1200"/>
         </a:p>
@@ -1862,7 +1910,7 @@
             <a:spcAft>
               <a:spcPct val="15000"/>
             </a:spcAft>
-            <a:buChar char="•"/>
+            <a:buChar char="••"/>
           </a:pPr>
           <a:endParaRPr lang="en-US" sz="900" kern="1200"/>
         </a:p>
@@ -1975,7 +2023,7 @@
         </a:bodyPr>
         <a:lstStyle/>
         <a:p>
-          <a:pPr marL="0" lvl="0" indent="0" algn="l" defTabSz="1066800">
+          <a:pPr lvl="0" algn="l" defTabSz="1066800">
             <a:lnSpc>
               <a:spcPct val="90000"/>
             </a:lnSpc>
@@ -1985,7 +2033,6 @@
             <a:spcAft>
               <a:spcPct val="35000"/>
             </a:spcAft>
-            <a:buNone/>
           </a:pPr>
           <a:r>
             <a:rPr lang="en-US" sz="2400" kern="1200" dirty="0"/>
@@ -2101,7 +2148,7 @@
         </a:bodyPr>
         <a:lstStyle/>
         <a:p>
-          <a:pPr marL="0" lvl="0" indent="0" algn="l" defTabSz="1066800">
+          <a:pPr lvl="0" algn="l" defTabSz="1066800">
             <a:lnSpc>
               <a:spcPct val="90000"/>
             </a:lnSpc>
@@ -2111,7 +2158,6 @@
             <a:spcAft>
               <a:spcPct val="35000"/>
             </a:spcAft>
-            <a:buNone/>
           </a:pPr>
           <a:r>
             <a:rPr lang="en-US" sz="2400" kern="1200" dirty="0"/>
@@ -2142,7 +2188,7 @@
             <a:spcAft>
               <a:spcPct val="15000"/>
             </a:spcAft>
-            <a:buChar char="•"/>
+            <a:buChar char="••"/>
           </a:pPr>
           <a:endParaRPr lang="en-US" sz="900" kern="1200"/>
         </a:p>
@@ -2157,7 +2203,7 @@
             <a:spcAft>
               <a:spcPct val="15000"/>
             </a:spcAft>
-            <a:buChar char="•"/>
+            <a:buChar char="••"/>
           </a:pPr>
           <a:endParaRPr lang="en-US" sz="900" kern="1200" dirty="0"/>
         </a:p>
@@ -2270,7 +2316,7 @@
         </a:bodyPr>
         <a:lstStyle/>
         <a:p>
-          <a:pPr marL="0" lvl="0" indent="0" algn="l" defTabSz="1111250">
+          <a:pPr lvl="0" algn="l" defTabSz="1111250">
             <a:lnSpc>
               <a:spcPct val="90000"/>
             </a:lnSpc>
@@ -2280,7 +2326,6 @@
             <a:spcAft>
               <a:spcPct val="35000"/>
             </a:spcAft>
-            <a:buNone/>
           </a:pPr>
           <a:r>
             <a:rPr lang="en-US" sz="2500" kern="1200" dirty="0"/>
@@ -4812,7 +4857,7 @@
           <a:p>
             <a:fld id="{B00C26E1-DAAB-47AA-886F-4CC1B2CFA075}" type="datetimeFigureOut">
               <a:rPr lang="es-ES" smtClean="0"/>
-              <a:t>03/12/2018</a:t>
+              <a:t>06/12/2018</a:t>
             </a:fld>
             <a:endParaRPr lang="es-ES"/>
           </a:p>
@@ -4854,7 +4899,7 @@
           <a:p>
             <a:fld id="{87189A0D-AE8F-4FE6-8E3D-5CEBA720A87A}" type="slidenum">
               <a:rPr lang="es-ES" smtClean="0"/>
-              <a:t>‹Nº›</a:t>
+              <a:t>‹#›</a:t>
             </a:fld>
             <a:endParaRPr lang="es-ES"/>
           </a:p>
@@ -4982,7 +5027,7 @@
           <a:p>
             <a:fld id="{B00C26E1-DAAB-47AA-886F-4CC1B2CFA075}" type="datetimeFigureOut">
               <a:rPr lang="es-ES" smtClean="0"/>
-              <a:t>03/12/2018</a:t>
+              <a:t>06/12/2018</a:t>
             </a:fld>
             <a:endParaRPr lang="es-ES"/>
           </a:p>
@@ -5024,7 +5069,7 @@
           <a:p>
             <a:fld id="{87189A0D-AE8F-4FE6-8E3D-5CEBA720A87A}" type="slidenum">
               <a:rPr lang="es-ES" smtClean="0"/>
-              <a:t>‹Nº›</a:t>
+              <a:t>‹#›</a:t>
             </a:fld>
             <a:endParaRPr lang="es-ES"/>
           </a:p>
@@ -5162,7 +5207,7 @@
           <a:p>
             <a:fld id="{B00C26E1-DAAB-47AA-886F-4CC1B2CFA075}" type="datetimeFigureOut">
               <a:rPr lang="es-ES" smtClean="0"/>
-              <a:t>03/12/2018</a:t>
+              <a:t>06/12/2018</a:t>
             </a:fld>
             <a:endParaRPr lang="es-ES"/>
           </a:p>
@@ -5204,7 +5249,7 @@
           <a:p>
             <a:fld id="{87189A0D-AE8F-4FE6-8E3D-5CEBA720A87A}" type="slidenum">
               <a:rPr lang="es-ES" smtClean="0"/>
-              <a:t>‹Nº›</a:t>
+              <a:t>‹#›</a:t>
             </a:fld>
             <a:endParaRPr lang="es-ES"/>
           </a:p>
@@ -5332,7 +5377,7 @@
           <a:p>
             <a:fld id="{B00C26E1-DAAB-47AA-886F-4CC1B2CFA075}" type="datetimeFigureOut">
               <a:rPr lang="es-ES" smtClean="0"/>
-              <a:t>03/12/2018</a:t>
+              <a:t>06/12/2018</a:t>
             </a:fld>
             <a:endParaRPr lang="es-ES"/>
           </a:p>
@@ -5374,7 +5419,7 @@
           <a:p>
             <a:fld id="{87189A0D-AE8F-4FE6-8E3D-5CEBA720A87A}" type="slidenum">
               <a:rPr lang="es-ES" smtClean="0"/>
-              <a:t>‹Nº›</a:t>
+              <a:t>‹#›</a:t>
             </a:fld>
             <a:endParaRPr lang="es-ES"/>
           </a:p>
@@ -5578,7 +5623,7 @@
           <a:p>
             <a:fld id="{B00C26E1-DAAB-47AA-886F-4CC1B2CFA075}" type="datetimeFigureOut">
               <a:rPr lang="es-ES" smtClean="0"/>
-              <a:t>03/12/2018</a:t>
+              <a:t>06/12/2018</a:t>
             </a:fld>
             <a:endParaRPr lang="es-ES"/>
           </a:p>
@@ -5620,7 +5665,7 @@
           <a:p>
             <a:fld id="{87189A0D-AE8F-4FE6-8E3D-5CEBA720A87A}" type="slidenum">
               <a:rPr lang="es-ES" smtClean="0"/>
-              <a:t>‹Nº›</a:t>
+              <a:t>‹#›</a:t>
             </a:fld>
             <a:endParaRPr lang="es-ES"/>
           </a:p>
@@ -5810,7 +5855,7 @@
           <a:p>
             <a:fld id="{B00C26E1-DAAB-47AA-886F-4CC1B2CFA075}" type="datetimeFigureOut">
               <a:rPr lang="es-ES" smtClean="0"/>
-              <a:t>03/12/2018</a:t>
+              <a:t>06/12/2018</a:t>
             </a:fld>
             <a:endParaRPr lang="es-ES"/>
           </a:p>
@@ -5852,7 +5897,7 @@
           <a:p>
             <a:fld id="{87189A0D-AE8F-4FE6-8E3D-5CEBA720A87A}" type="slidenum">
               <a:rPr lang="es-ES" smtClean="0"/>
-              <a:t>‹Nº›</a:t>
+              <a:t>‹#›</a:t>
             </a:fld>
             <a:endParaRPr lang="es-ES"/>
           </a:p>
@@ -6177,7 +6222,7 @@
           <a:p>
             <a:fld id="{B00C26E1-DAAB-47AA-886F-4CC1B2CFA075}" type="datetimeFigureOut">
               <a:rPr lang="es-ES" smtClean="0"/>
-              <a:t>03/12/2018</a:t>
+              <a:t>06/12/2018</a:t>
             </a:fld>
             <a:endParaRPr lang="es-ES"/>
           </a:p>
@@ -6219,7 +6264,7 @@
           <a:p>
             <a:fld id="{87189A0D-AE8F-4FE6-8E3D-5CEBA720A87A}" type="slidenum">
               <a:rPr lang="es-ES" smtClean="0"/>
-              <a:t>‹Nº›</a:t>
+              <a:t>‹#›</a:t>
             </a:fld>
             <a:endParaRPr lang="es-ES"/>
           </a:p>
@@ -6295,7 +6340,7 @@
           <a:p>
             <a:fld id="{B00C26E1-DAAB-47AA-886F-4CC1B2CFA075}" type="datetimeFigureOut">
               <a:rPr lang="es-ES" smtClean="0"/>
-              <a:t>03/12/2018</a:t>
+              <a:t>06/12/2018</a:t>
             </a:fld>
             <a:endParaRPr lang="es-ES"/>
           </a:p>
@@ -6337,7 +6382,7 @@
           <a:p>
             <a:fld id="{87189A0D-AE8F-4FE6-8E3D-5CEBA720A87A}" type="slidenum">
               <a:rPr lang="es-ES" smtClean="0"/>
-              <a:t>‹Nº›</a:t>
+              <a:t>‹#›</a:t>
             </a:fld>
             <a:endParaRPr lang="es-ES"/>
           </a:p>
@@ -6390,7 +6435,7 @@
           <a:p>
             <a:fld id="{B00C26E1-DAAB-47AA-886F-4CC1B2CFA075}" type="datetimeFigureOut">
               <a:rPr lang="es-ES" smtClean="0"/>
-              <a:t>03/12/2018</a:t>
+              <a:t>06/12/2018</a:t>
             </a:fld>
             <a:endParaRPr lang="es-ES"/>
           </a:p>
@@ -6432,7 +6477,7 @@
           <a:p>
             <a:fld id="{87189A0D-AE8F-4FE6-8E3D-5CEBA720A87A}" type="slidenum">
               <a:rPr lang="es-ES" smtClean="0"/>
-              <a:t>‹Nº›</a:t>
+              <a:t>‹#›</a:t>
             </a:fld>
             <a:endParaRPr lang="es-ES"/>
           </a:p>
@@ -6667,7 +6712,7 @@
           <a:p>
             <a:fld id="{B00C26E1-DAAB-47AA-886F-4CC1B2CFA075}" type="datetimeFigureOut">
               <a:rPr lang="es-ES" smtClean="0"/>
-              <a:t>03/12/2018</a:t>
+              <a:t>06/12/2018</a:t>
             </a:fld>
             <a:endParaRPr lang="es-ES"/>
           </a:p>
@@ -6709,7 +6754,7 @@
           <a:p>
             <a:fld id="{87189A0D-AE8F-4FE6-8E3D-5CEBA720A87A}" type="slidenum">
               <a:rPr lang="es-ES" smtClean="0"/>
-              <a:t>‹Nº›</a:t>
+              <a:t>‹#›</a:t>
             </a:fld>
             <a:endParaRPr lang="es-ES"/>
           </a:p>
@@ -6920,7 +6965,7 @@
           <a:p>
             <a:fld id="{B00C26E1-DAAB-47AA-886F-4CC1B2CFA075}" type="datetimeFigureOut">
               <a:rPr lang="es-ES" smtClean="0"/>
-              <a:t>03/12/2018</a:t>
+              <a:t>06/12/2018</a:t>
             </a:fld>
             <a:endParaRPr lang="es-ES"/>
           </a:p>
@@ -6962,7 +7007,7 @@
           <a:p>
             <a:fld id="{87189A0D-AE8F-4FE6-8E3D-5CEBA720A87A}" type="slidenum">
               <a:rPr lang="es-ES" smtClean="0"/>
-              <a:t>‹Nº›</a:t>
+              <a:t>‹#›</a:t>
             </a:fld>
             <a:endParaRPr lang="es-ES"/>
           </a:p>
@@ -7133,7 +7178,7 @@
           <a:p>
             <a:fld id="{B00C26E1-DAAB-47AA-886F-4CC1B2CFA075}" type="datetimeFigureOut">
               <a:rPr lang="es-ES" smtClean="0"/>
-              <a:t>03/12/2018</a:t>
+              <a:t>06/12/2018</a:t>
             </a:fld>
             <a:endParaRPr lang="es-ES"/>
           </a:p>
@@ -7211,7 +7256,7 @@
           <a:p>
             <a:fld id="{87189A0D-AE8F-4FE6-8E3D-5CEBA720A87A}" type="slidenum">
               <a:rPr lang="es-ES" smtClean="0"/>
-              <a:t>‹Nº›</a:t>
+              <a:t>‹#›</a:t>
             </a:fld>
             <a:endParaRPr lang="es-ES"/>
           </a:p>
@@ -9432,6 +9477,14 @@
               </a:rPr>
               <a:t>Locators</a:t>
             </a:r>
+            <a:r>
+              <a:rPr lang="es-ES" b="1" dirty="0">
+                <a:solidFill>
+                  <a:schemeClr val="bg1"/>
+                </a:solidFill>
+              </a:rPr>
+              <a:t/>
+            </a:r>
             <a:br>
               <a:rPr lang="es-ES" b="1" dirty="0">
                 <a:solidFill>
@@ -9722,7 +9775,7 @@
         </p:blipFill>
         <p:spPr>
           <a:xfrm>
-            <a:off x="130629" y="4214393"/>
+            <a:off x="169818" y="4214393"/>
             <a:ext cx="11355388" cy="2389266"/>
           </a:xfrm>
           <a:prstGeom prst="rect">
@@ -9790,14 +9843,13 @@
           <a:p>
             <a:r>
               <a:rPr lang="es-CO" sz="6000" dirty="0"/>
-              <a:t>Aprendamos Jugando</a:t>
-            </a:r>
-          </a:p>
-          <a:p>
-            <a:r>
-              <a:rPr lang="es-ES" sz="6000" dirty="0"/>
-              <a:t>https://goo.gl/XB6gsr</a:t>
-            </a:r>
+              <a:t>I</a:t>
+            </a:r>
+            <a:r>
+              <a:rPr lang="es-CO" sz="6000" dirty="0" smtClean="0"/>
+              <a:t>ngresemos a Kahoot.it</a:t>
+            </a:r>
+            <a:endParaRPr lang="es-ES" sz="6000" dirty="0"/>
           </a:p>
         </p:txBody>
       </p:sp>
@@ -9815,6 +9867,503 @@
 </file>
 
 <file path=ppt/slides/slide19.xml><?xml version="1.0" encoding="utf-8"?>
+<p:sld xmlns:a="http://schemas.openxmlformats.org/drawingml/2006/main" xmlns:r="http://schemas.openxmlformats.org/officeDocument/2006/relationships" xmlns:p="http://schemas.openxmlformats.org/presentationml/2006/main">
+  <p:cSld>
+    <p:spTree>
+      <p:nvGrpSpPr>
+        <p:cNvPr id="1" name=""/>
+        <p:cNvGrpSpPr/>
+        <p:nvPr/>
+      </p:nvGrpSpPr>
+      <p:grpSpPr>
+        <a:xfrm>
+          <a:off x="0" y="0"/>
+          <a:ext cx="0" cy="0"/>
+          <a:chOff x="0" y="0"/>
+          <a:chExt cx="0" cy="0"/>
+        </a:xfrm>
+      </p:grpSpPr>
+      <p:sp>
+        <p:nvSpPr>
+          <p:cNvPr id="2" name="Title 1"/>
+          <p:cNvSpPr>
+            <a:spLocks noGrp="1"/>
+          </p:cNvSpPr>
+          <p:nvPr>
+            <p:ph type="title"/>
+          </p:nvPr>
+        </p:nvSpPr>
+        <p:spPr/>
+        <p:txBody>
+          <a:bodyPr/>
+          <a:lstStyle/>
+          <a:p>
+            <a:endParaRPr lang="es-ES"/>
+          </a:p>
+        </p:txBody>
+      </p:sp>
+      <p:sp>
+        <p:nvSpPr>
+          <p:cNvPr id="3" name="Content Placeholder 2"/>
+          <p:cNvSpPr>
+            <a:spLocks noGrp="1"/>
+          </p:cNvSpPr>
+          <p:nvPr>
+            <p:ph idx="1"/>
+          </p:nvPr>
+        </p:nvSpPr>
+        <p:spPr/>
+        <p:txBody>
+          <a:bodyPr/>
+          <a:lstStyle/>
+          <a:p>
+            <a:endParaRPr lang="es-ES"/>
+          </a:p>
+        </p:txBody>
+      </p:sp>
+      <p:pic>
+        <p:nvPicPr>
+          <p:cNvPr id="4" name="Picture 3"/>
+          <p:cNvPicPr>
+            <a:picLocks noChangeAspect="1"/>
+          </p:cNvPicPr>
+          <p:nvPr/>
+        </p:nvPicPr>
+        <p:blipFill>
+          <a:blip r:embed="rId2">
+            <a:extLst>
+              <a:ext uri="{28A0092B-C50C-407E-A947-70E740481C1C}">
+                <a14:useLocalDpi xmlns:a14="http://schemas.microsoft.com/office/drawing/2010/main" val="0"/>
+              </a:ext>
+            </a:extLst>
+          </a:blip>
+          <a:stretch>
+            <a:fillRect/>
+          </a:stretch>
+        </p:blipFill>
+        <p:spPr>
+          <a:xfrm>
+            <a:off x="-1208900" y="-1"/>
+            <a:ext cx="8987245" cy="3088459"/>
+          </a:xfrm>
+          <a:prstGeom prst="rect">
+            <a:avLst/>
+          </a:prstGeom>
+        </p:spPr>
+      </p:pic>
+      <p:pic>
+        <p:nvPicPr>
+          <p:cNvPr id="5" name="Picture 4"/>
+          <p:cNvPicPr>
+            <a:picLocks noChangeAspect="1"/>
+          </p:cNvPicPr>
+          <p:nvPr/>
+        </p:nvPicPr>
+        <p:blipFill>
+          <a:blip r:embed="rId3" cstate="print">
+            <a:extLst>
+              <a:ext uri="{28A0092B-C50C-407E-A947-70E740481C1C}">
+                <a14:useLocalDpi xmlns:a14="http://schemas.microsoft.com/office/drawing/2010/main" val="0"/>
+              </a:ext>
+            </a:extLst>
+          </a:blip>
+          <a:stretch>
+            <a:fillRect/>
+          </a:stretch>
+        </p:blipFill>
+        <p:spPr>
+          <a:xfrm>
+            <a:off x="130629" y="4214393"/>
+            <a:ext cx="11355388" cy="2389266"/>
+          </a:xfrm>
+          <a:prstGeom prst="rect">
+            <a:avLst/>
+          </a:prstGeom>
+        </p:spPr>
+      </p:pic>
+      <p:sp>
+        <p:nvSpPr>
+          <p:cNvPr id="6" name="Subtítulo 7">
+            <a:extLst>
+              <a:ext uri="{FF2B5EF4-FFF2-40B4-BE49-F238E27FC236}">
+                <a16:creationId xmlns:a16="http://schemas.microsoft.com/office/drawing/2014/main" id="{995A4D07-886C-4997-9CFF-78D4ADB7D0FD}"/>
+              </a:ext>
+            </a:extLst>
+          </p:cNvPr>
+          <p:cNvSpPr txBox="1">
+            <a:spLocks/>
+          </p:cNvSpPr>
+          <p:nvPr/>
+        </p:nvSpPr>
+        <p:spPr>
+          <a:xfrm>
+            <a:off x="1524000" y="2113781"/>
+            <a:ext cx="9144000" cy="1655762"/>
+          </a:xfrm>
+          <a:prstGeom prst="rect">
+            <a:avLst/>
+          </a:prstGeom>
+        </p:spPr>
+        <p:txBody>
+          <a:bodyPr vert="horz" lIns="91440" tIns="45720" rIns="91440" bIns="45720" rtlCol="0">
+            <a:noAutofit/>
+          </a:bodyPr>
+          <a:lstStyle>
+            <a:lvl1pPr marL="228600" indent="-228600" algn="l" defTabSz="914400" rtl="0" eaLnBrk="1" latinLnBrk="0" hangingPunct="1">
+              <a:lnSpc>
+                <a:spcPct val="90000"/>
+              </a:lnSpc>
+              <a:spcBef>
+                <a:spcPts val="1000"/>
+              </a:spcBef>
+              <a:buFont typeface="Arial" panose="020B0604020202020204" pitchFamily="34" charset="0"/>
+              <a:buChar char="•"/>
+              <a:defRPr sz="2800" kern="1200">
+                <a:solidFill>
+                  <a:schemeClr val="tx1"/>
+                </a:solidFill>
+                <a:latin typeface="+mn-lt"/>
+                <a:ea typeface="+mn-ea"/>
+                <a:cs typeface="+mn-cs"/>
+              </a:defRPr>
+            </a:lvl1pPr>
+            <a:lvl2pPr marL="685800" indent="-228600" algn="l" defTabSz="914400" rtl="0" eaLnBrk="1" latinLnBrk="0" hangingPunct="1">
+              <a:lnSpc>
+                <a:spcPct val="90000"/>
+              </a:lnSpc>
+              <a:spcBef>
+                <a:spcPts val="500"/>
+              </a:spcBef>
+              <a:buFont typeface="Arial" panose="020B0604020202020204" pitchFamily="34" charset="0"/>
+              <a:buChar char="•"/>
+              <a:defRPr sz="2400" kern="1200">
+                <a:solidFill>
+                  <a:schemeClr val="tx1"/>
+                </a:solidFill>
+                <a:latin typeface="+mn-lt"/>
+                <a:ea typeface="+mn-ea"/>
+                <a:cs typeface="+mn-cs"/>
+              </a:defRPr>
+            </a:lvl2pPr>
+            <a:lvl3pPr marL="1143000" indent="-228600" algn="l" defTabSz="914400" rtl="0" eaLnBrk="1" latinLnBrk="0" hangingPunct="1">
+              <a:lnSpc>
+                <a:spcPct val="90000"/>
+              </a:lnSpc>
+              <a:spcBef>
+                <a:spcPts val="500"/>
+              </a:spcBef>
+              <a:buFont typeface="Arial" panose="020B0604020202020204" pitchFamily="34" charset="0"/>
+              <a:buChar char="•"/>
+              <a:defRPr sz="2000" kern="1200">
+                <a:solidFill>
+                  <a:schemeClr val="tx1"/>
+                </a:solidFill>
+                <a:latin typeface="+mn-lt"/>
+                <a:ea typeface="+mn-ea"/>
+                <a:cs typeface="+mn-cs"/>
+              </a:defRPr>
+            </a:lvl3pPr>
+            <a:lvl4pPr marL="1600200" indent="-228600" algn="l" defTabSz="914400" rtl="0" eaLnBrk="1" latinLnBrk="0" hangingPunct="1">
+              <a:lnSpc>
+                <a:spcPct val="90000"/>
+              </a:lnSpc>
+              <a:spcBef>
+                <a:spcPts val="500"/>
+              </a:spcBef>
+              <a:buFont typeface="Arial" panose="020B0604020202020204" pitchFamily="34" charset="0"/>
+              <a:buChar char="•"/>
+              <a:defRPr sz="1800" kern="1200">
+                <a:solidFill>
+                  <a:schemeClr val="tx1"/>
+                </a:solidFill>
+                <a:latin typeface="+mn-lt"/>
+                <a:ea typeface="+mn-ea"/>
+                <a:cs typeface="+mn-cs"/>
+              </a:defRPr>
+            </a:lvl4pPr>
+            <a:lvl5pPr marL="2057400" indent="-228600" algn="l" defTabSz="914400" rtl="0" eaLnBrk="1" latinLnBrk="0" hangingPunct="1">
+              <a:lnSpc>
+                <a:spcPct val="90000"/>
+              </a:lnSpc>
+              <a:spcBef>
+                <a:spcPts val="500"/>
+              </a:spcBef>
+              <a:buFont typeface="Arial" panose="020B0604020202020204" pitchFamily="34" charset="0"/>
+              <a:buChar char="•"/>
+              <a:defRPr sz="1800" kern="1200">
+                <a:solidFill>
+                  <a:schemeClr val="tx1"/>
+                </a:solidFill>
+                <a:latin typeface="+mn-lt"/>
+                <a:ea typeface="+mn-ea"/>
+                <a:cs typeface="+mn-cs"/>
+              </a:defRPr>
+            </a:lvl5pPr>
+            <a:lvl6pPr marL="2514600" indent="-228600" algn="l" defTabSz="914400" rtl="0" eaLnBrk="1" latinLnBrk="0" hangingPunct="1">
+              <a:lnSpc>
+                <a:spcPct val="90000"/>
+              </a:lnSpc>
+              <a:spcBef>
+                <a:spcPts val="500"/>
+              </a:spcBef>
+              <a:buFont typeface="Arial" panose="020B0604020202020204" pitchFamily="34" charset="0"/>
+              <a:buChar char="•"/>
+              <a:defRPr sz="1800" kern="1200">
+                <a:solidFill>
+                  <a:schemeClr val="tx1"/>
+                </a:solidFill>
+                <a:latin typeface="+mn-lt"/>
+                <a:ea typeface="+mn-ea"/>
+                <a:cs typeface="+mn-cs"/>
+              </a:defRPr>
+            </a:lvl6pPr>
+            <a:lvl7pPr marL="2971800" indent="-228600" algn="l" defTabSz="914400" rtl="0" eaLnBrk="1" latinLnBrk="0" hangingPunct="1">
+              <a:lnSpc>
+                <a:spcPct val="90000"/>
+              </a:lnSpc>
+              <a:spcBef>
+                <a:spcPts val="500"/>
+              </a:spcBef>
+              <a:buFont typeface="Arial" panose="020B0604020202020204" pitchFamily="34" charset="0"/>
+              <a:buChar char="•"/>
+              <a:defRPr sz="1800" kern="1200">
+                <a:solidFill>
+                  <a:schemeClr val="tx1"/>
+                </a:solidFill>
+                <a:latin typeface="+mn-lt"/>
+                <a:ea typeface="+mn-ea"/>
+                <a:cs typeface="+mn-cs"/>
+              </a:defRPr>
+            </a:lvl7pPr>
+            <a:lvl8pPr marL="3429000" indent="-228600" algn="l" defTabSz="914400" rtl="0" eaLnBrk="1" latinLnBrk="0" hangingPunct="1">
+              <a:lnSpc>
+                <a:spcPct val="90000"/>
+              </a:lnSpc>
+              <a:spcBef>
+                <a:spcPts val="500"/>
+              </a:spcBef>
+              <a:buFont typeface="Arial" panose="020B0604020202020204" pitchFamily="34" charset="0"/>
+              <a:buChar char="•"/>
+              <a:defRPr sz="1800" kern="1200">
+                <a:solidFill>
+                  <a:schemeClr val="tx1"/>
+                </a:solidFill>
+                <a:latin typeface="+mn-lt"/>
+                <a:ea typeface="+mn-ea"/>
+                <a:cs typeface="+mn-cs"/>
+              </a:defRPr>
+            </a:lvl8pPr>
+            <a:lvl9pPr marL="3886200" indent="-228600" algn="l" defTabSz="914400" rtl="0" eaLnBrk="1" latinLnBrk="0" hangingPunct="1">
+              <a:lnSpc>
+                <a:spcPct val="90000"/>
+              </a:lnSpc>
+              <a:spcBef>
+                <a:spcPts val="500"/>
+              </a:spcBef>
+              <a:buFont typeface="Arial" panose="020B0604020202020204" pitchFamily="34" charset="0"/>
+              <a:buChar char="•"/>
+              <a:defRPr sz="1800" kern="1200">
+                <a:solidFill>
+                  <a:schemeClr val="tx1"/>
+                </a:solidFill>
+                <a:latin typeface="+mn-lt"/>
+                <a:ea typeface="+mn-ea"/>
+                <a:cs typeface="+mn-cs"/>
+              </a:defRPr>
+            </a:lvl9pPr>
+          </a:lstStyle>
+          <a:p>
+            <a:r>
+              <a:rPr lang="es-CO" sz="6000" smtClean="0"/>
+              <a:t>Aprendamos Jugando</a:t>
+            </a:r>
+          </a:p>
+          <a:p>
+            <a:r>
+              <a:rPr lang="es-ES" sz="6000" smtClean="0"/>
+              <a:t>https://goo.gl/XB6gsr</a:t>
+            </a:r>
+            <a:endParaRPr lang="es-ES" sz="6000" dirty="0"/>
+          </a:p>
+        </p:txBody>
+      </p:sp>
+    </p:spTree>
+    <p:extLst>
+      <p:ext uri="{BB962C8B-B14F-4D97-AF65-F5344CB8AC3E}">
+        <p14:creationId xmlns:p14="http://schemas.microsoft.com/office/powerpoint/2010/main" val="4281789178"/>
+      </p:ext>
+    </p:extLst>
+  </p:cSld>
+  <p:clrMapOvr>
+    <a:masterClrMapping/>
+  </p:clrMapOvr>
+</p:sld>
+</file>
+
+<file path=ppt/slides/slide2.xml><?xml version="1.0" encoding="utf-8"?>
+<p:sld xmlns:a="http://schemas.openxmlformats.org/drawingml/2006/main" xmlns:r="http://schemas.openxmlformats.org/officeDocument/2006/relationships" xmlns:p="http://schemas.openxmlformats.org/presentationml/2006/main">
+  <p:cSld>
+    <p:spTree>
+      <p:nvGrpSpPr>
+        <p:cNvPr id="1" name=""/>
+        <p:cNvGrpSpPr/>
+        <p:nvPr/>
+      </p:nvGrpSpPr>
+      <p:grpSpPr>
+        <a:xfrm>
+          <a:off x="0" y="0"/>
+          <a:ext cx="0" cy="0"/>
+          <a:chOff x="0" y="0"/>
+          <a:chExt cx="0" cy="0"/>
+        </a:xfrm>
+      </p:grpSpPr>
+      <p:pic>
+        <p:nvPicPr>
+          <p:cNvPr id="5" name="Picture 4"/>
+          <p:cNvPicPr>
+            <a:picLocks noChangeAspect="1"/>
+          </p:cNvPicPr>
+          <p:nvPr/>
+        </p:nvPicPr>
+        <p:blipFill>
+          <a:blip r:embed="rId2" cstate="print">
+            <a:extLst>
+              <a:ext uri="{28A0092B-C50C-407E-A947-70E740481C1C}">
+                <a14:useLocalDpi xmlns:a14="http://schemas.microsoft.com/office/drawing/2010/main" val="0"/>
+              </a:ext>
+            </a:extLst>
+          </a:blip>
+          <a:stretch>
+            <a:fillRect/>
+          </a:stretch>
+        </p:blipFill>
+        <p:spPr>
+          <a:xfrm>
+            <a:off x="367937" y="4447538"/>
+            <a:ext cx="11456126" cy="2410462"/>
+          </a:xfrm>
+          <a:prstGeom prst="rect">
+            <a:avLst/>
+          </a:prstGeom>
+        </p:spPr>
+      </p:pic>
+      <p:pic>
+        <p:nvPicPr>
+          <p:cNvPr id="6" name="Picture 5"/>
+          <p:cNvPicPr>
+            <a:picLocks noChangeAspect="1"/>
+          </p:cNvPicPr>
+          <p:nvPr/>
+        </p:nvPicPr>
+        <p:blipFill>
+          <a:blip r:embed="rId3">
+            <a:extLst>
+              <a:ext uri="{28A0092B-C50C-407E-A947-70E740481C1C}">
+                <a14:useLocalDpi xmlns:a14="http://schemas.microsoft.com/office/drawing/2010/main" val="0"/>
+              </a:ext>
+            </a:extLst>
+          </a:blip>
+          <a:stretch>
+            <a:fillRect/>
+          </a:stretch>
+        </p:blipFill>
+        <p:spPr>
+          <a:xfrm>
+            <a:off x="-1289815" y="0"/>
+            <a:ext cx="8987245" cy="3088459"/>
+          </a:xfrm>
+          <a:prstGeom prst="rect">
+            <a:avLst/>
+          </a:prstGeom>
+        </p:spPr>
+      </p:pic>
+      <p:sp>
+        <p:nvSpPr>
+          <p:cNvPr id="2" name="Title 1"/>
+          <p:cNvSpPr>
+            <a:spLocks noGrp="1"/>
+          </p:cNvSpPr>
+          <p:nvPr>
+            <p:ph type="title"/>
+          </p:nvPr>
+        </p:nvSpPr>
+        <p:spPr>
+          <a:xfrm>
+            <a:off x="367937" y="132073"/>
+            <a:ext cx="10515600" cy="1325563"/>
+          </a:xfrm>
+        </p:spPr>
+        <p:txBody>
+          <a:bodyPr>
+            <a:normAutofit/>
+          </a:bodyPr>
+          <a:lstStyle/>
+          <a:p>
+            <a:r>
+              <a:rPr lang="es-CO" b="1" dirty="0">
+                <a:solidFill>
+                  <a:schemeClr val="bg1"/>
+                </a:solidFill>
+              </a:rPr>
+              <a:t>Inscripción</a:t>
+            </a:r>
+            <a:endParaRPr lang="es-ES" sz="6000" b="1" dirty="0">
+              <a:solidFill>
+                <a:schemeClr val="bg1"/>
+              </a:solidFill>
+            </a:endParaRPr>
+          </a:p>
+        </p:txBody>
+      </p:sp>
+      <p:pic>
+        <p:nvPicPr>
+          <p:cNvPr id="12" name="Marcador de contenido 11" descr="Imagen que contiene interior, crucigrama&#10;&#10;Descripción generada automáticamente">
+            <a:extLst>
+              <a:ext uri="{FF2B5EF4-FFF2-40B4-BE49-F238E27FC236}">
+                <a16:creationId xmlns:a16="http://schemas.microsoft.com/office/drawing/2014/main" id="{6B8373B5-8E86-4551-928E-8EBEFC4E43D4}"/>
+              </a:ext>
+            </a:extLst>
+          </p:cNvPr>
+          <p:cNvPicPr>
+            <a:picLocks noGrp="1" noChangeAspect="1"/>
+          </p:cNvPicPr>
+          <p:nvPr>
+            <p:ph sz="half" idx="1"/>
+          </p:nvPr>
+        </p:nvPicPr>
+        <p:blipFill>
+          <a:blip r:embed="rId4">
+            <a:extLst>
+              <a:ext uri="{28A0092B-C50C-407E-A947-70E740481C1C}">
+                <a14:useLocalDpi xmlns:a14="http://schemas.microsoft.com/office/drawing/2010/main" val="0"/>
+              </a:ext>
+            </a:extLst>
+          </a:blip>
+          <a:stretch>
+            <a:fillRect/>
+          </a:stretch>
+        </p:blipFill>
+        <p:spPr>
+          <a:xfrm>
+            <a:off x="3920331" y="1727023"/>
+            <a:ext cx="4351338" cy="4351338"/>
+          </a:xfrm>
+        </p:spPr>
+      </p:pic>
+    </p:spTree>
+    <p:extLst>
+      <p:ext uri="{BB962C8B-B14F-4D97-AF65-F5344CB8AC3E}">
+        <p14:creationId xmlns:p14="http://schemas.microsoft.com/office/powerpoint/2010/main" val="3483646967"/>
+      </p:ext>
+    </p:extLst>
+  </p:cSld>
+  <p:clrMapOvr>
+    <a:masterClrMapping/>
+  </p:clrMapOvr>
+</p:sld>
+</file>
+
+<file path=ppt/slides/slide20.xml><?xml version="1.0" encoding="utf-8"?>
 <p:sld xmlns:a="http://schemas.openxmlformats.org/drawingml/2006/main" xmlns:r="http://schemas.openxmlformats.org/officeDocument/2006/relationships" xmlns:p="http://schemas.openxmlformats.org/presentationml/2006/main">
   <p:cSld>
     <p:spTree>
@@ -9994,169 +10543,6 @@
     <p:extLst>
       <p:ext uri="{BB962C8B-B14F-4D97-AF65-F5344CB8AC3E}">
         <p14:creationId xmlns:p14="http://schemas.microsoft.com/office/powerpoint/2010/main" val="3145107696"/>
-      </p:ext>
-    </p:extLst>
-  </p:cSld>
-  <p:clrMapOvr>
-    <a:masterClrMapping/>
-  </p:clrMapOvr>
-</p:sld>
-</file>
-
-<file path=ppt/slides/slide2.xml><?xml version="1.0" encoding="utf-8"?>
-<p:sld xmlns:a="http://schemas.openxmlformats.org/drawingml/2006/main" xmlns:r="http://schemas.openxmlformats.org/officeDocument/2006/relationships" xmlns:p="http://schemas.openxmlformats.org/presentationml/2006/main">
-  <p:cSld>
-    <p:spTree>
-      <p:nvGrpSpPr>
-        <p:cNvPr id="1" name=""/>
-        <p:cNvGrpSpPr/>
-        <p:nvPr/>
-      </p:nvGrpSpPr>
-      <p:grpSpPr>
-        <a:xfrm>
-          <a:off x="0" y="0"/>
-          <a:ext cx="0" cy="0"/>
-          <a:chOff x="0" y="0"/>
-          <a:chExt cx="0" cy="0"/>
-        </a:xfrm>
-      </p:grpSpPr>
-      <p:pic>
-        <p:nvPicPr>
-          <p:cNvPr id="5" name="Picture 4"/>
-          <p:cNvPicPr>
-            <a:picLocks noChangeAspect="1"/>
-          </p:cNvPicPr>
-          <p:nvPr/>
-        </p:nvPicPr>
-        <p:blipFill>
-          <a:blip r:embed="rId2" cstate="print">
-            <a:extLst>
-              <a:ext uri="{28A0092B-C50C-407E-A947-70E740481C1C}">
-                <a14:useLocalDpi xmlns:a14="http://schemas.microsoft.com/office/drawing/2010/main" val="0"/>
-              </a:ext>
-            </a:extLst>
-          </a:blip>
-          <a:stretch>
-            <a:fillRect/>
-          </a:stretch>
-        </p:blipFill>
-        <p:spPr>
-          <a:xfrm>
-            <a:off x="367937" y="4447538"/>
-            <a:ext cx="11456126" cy="2410462"/>
-          </a:xfrm>
-          <a:prstGeom prst="rect">
-            <a:avLst/>
-          </a:prstGeom>
-        </p:spPr>
-      </p:pic>
-      <p:pic>
-        <p:nvPicPr>
-          <p:cNvPr id="6" name="Picture 5"/>
-          <p:cNvPicPr>
-            <a:picLocks noChangeAspect="1"/>
-          </p:cNvPicPr>
-          <p:nvPr/>
-        </p:nvPicPr>
-        <p:blipFill>
-          <a:blip r:embed="rId3">
-            <a:extLst>
-              <a:ext uri="{28A0092B-C50C-407E-A947-70E740481C1C}">
-                <a14:useLocalDpi xmlns:a14="http://schemas.microsoft.com/office/drawing/2010/main" val="0"/>
-              </a:ext>
-            </a:extLst>
-          </a:blip>
-          <a:stretch>
-            <a:fillRect/>
-          </a:stretch>
-        </p:blipFill>
-        <p:spPr>
-          <a:xfrm>
-            <a:off x="-1289815" y="0"/>
-            <a:ext cx="8987245" cy="3088459"/>
-          </a:xfrm>
-          <a:prstGeom prst="rect">
-            <a:avLst/>
-          </a:prstGeom>
-        </p:spPr>
-      </p:pic>
-      <p:sp>
-        <p:nvSpPr>
-          <p:cNvPr id="2" name="Title 1"/>
-          <p:cNvSpPr>
-            <a:spLocks noGrp="1"/>
-          </p:cNvSpPr>
-          <p:nvPr>
-            <p:ph type="title"/>
-          </p:nvPr>
-        </p:nvSpPr>
-        <p:spPr>
-          <a:xfrm>
-            <a:off x="367937" y="132073"/>
-            <a:ext cx="10515600" cy="1325563"/>
-          </a:xfrm>
-        </p:spPr>
-        <p:txBody>
-          <a:bodyPr>
-            <a:normAutofit/>
-          </a:bodyPr>
-          <a:lstStyle/>
-          <a:p>
-            <a:r>
-              <a:rPr lang="es-CO" b="1" dirty="0">
-                <a:solidFill>
-                  <a:schemeClr val="bg1"/>
-                </a:solidFill>
-              </a:rPr>
-              <a:t>Inscripción</a:t>
-            </a:r>
-            <a:endParaRPr lang="es-ES" sz="6000" b="1" dirty="0">
-              <a:solidFill>
-                <a:schemeClr val="bg1"/>
-              </a:solidFill>
-            </a:endParaRPr>
-          </a:p>
-        </p:txBody>
-      </p:sp>
-      <p:pic>
-        <p:nvPicPr>
-          <p:cNvPr id="12" name="Marcador de contenido 11" descr="Imagen que contiene interior, crucigrama&#10;&#10;Descripción generada automáticamente">
-            <a:extLst>
-              <a:ext uri="{FF2B5EF4-FFF2-40B4-BE49-F238E27FC236}">
-                <a16:creationId xmlns:a16="http://schemas.microsoft.com/office/drawing/2014/main" id="{6B8373B5-8E86-4551-928E-8EBEFC4E43D4}"/>
-              </a:ext>
-            </a:extLst>
-          </p:cNvPr>
-          <p:cNvPicPr>
-            <a:picLocks noGrp="1" noChangeAspect="1"/>
-          </p:cNvPicPr>
-          <p:nvPr>
-            <p:ph sz="half" idx="1"/>
-          </p:nvPr>
-        </p:nvPicPr>
-        <p:blipFill>
-          <a:blip r:embed="rId4">
-            <a:extLst>
-              <a:ext uri="{28A0092B-C50C-407E-A947-70E740481C1C}">
-                <a14:useLocalDpi xmlns:a14="http://schemas.microsoft.com/office/drawing/2010/main" val="0"/>
-              </a:ext>
-            </a:extLst>
-          </a:blip>
-          <a:stretch>
-            <a:fillRect/>
-          </a:stretch>
-        </p:blipFill>
-        <p:spPr>
-          <a:xfrm>
-            <a:off x="3920331" y="1727023"/>
-            <a:ext cx="4351338" cy="4351338"/>
-          </a:xfrm>
-        </p:spPr>
-      </p:pic>
-    </p:spTree>
-    <p:extLst>
-      <p:ext uri="{BB962C8B-B14F-4D97-AF65-F5344CB8AC3E}">
-        <p14:creationId xmlns:p14="http://schemas.microsoft.com/office/powerpoint/2010/main" val="3483646967"/>
       </p:ext>
     </p:extLst>
   </p:cSld>
@@ -11229,7 +11615,7 @@
                         </a:spcAft>
                       </a:pPr>
                       <a:r>
-                        <a:rPr lang="es-CO" sz="2400" kern="1200">
+                        <a:rPr lang="es-CO" sz="2400" kern="1200" dirty="0">
                           <a:solidFill>
                             <a:schemeClr val="dk1"/>
                           </a:solidFill>
